--- a/VeriFood_AngelHack.pptx
+++ b/VeriFood_AngelHack.pptx
@@ -5,11 +5,12 @@
     <p:sldMasterId id="2147483660" r:id="rId1"/>
   </p:sldMasterIdLst>
   <p:notesMasterIdLst>
-    <p:notesMasterId r:id="rId4"/>
+    <p:notesMasterId r:id="rId5"/>
   </p:notesMasterIdLst>
   <p:sldIdLst>
     <p:sldId id="256" r:id="rId2"/>
-    <p:sldId id="257" r:id="rId3"/>
+    <p:sldId id="258" r:id="rId3"/>
+    <p:sldId id="257" r:id="rId4"/>
   </p:sldIdLst>
   <p:sldSz cx="12192000" cy="6858000"/>
   <p:notesSz cx="6858000" cy="9144000"/>
@@ -616,6 +617,90 @@
             <a:fld id="{6C982C2A-1A64-8242-AA1D-5752448F0D47}" type="slidenum">
               <a:rPr lang="en-US" smtClean="0"/>
               <a:t>2</a:t>
+            </a:fld>
+            <a:endParaRPr lang="en-US"/>
+          </a:p>
+        </p:txBody>
+      </p:sp>
+    </p:spTree>
+    <p:extLst>
+      <p:ext uri="{BB962C8B-B14F-4D97-AF65-F5344CB8AC3E}">
+        <p14:creationId xmlns:p14="http://schemas.microsoft.com/office/powerpoint/2010/main" val="650291234"/>
+      </p:ext>
+    </p:extLst>
+  </p:cSld>
+  <p:clrMapOvr>
+    <a:masterClrMapping/>
+  </p:clrMapOvr>
+</p:notes>
+</file>
+
+<file path=ppt/notesSlides/notesSlide3.xml><?xml version="1.0" encoding="utf-8"?>
+<p:notes xmlns:a="http://schemas.openxmlformats.org/drawingml/2006/main" xmlns:r="http://schemas.openxmlformats.org/officeDocument/2006/relationships" xmlns:p="http://schemas.openxmlformats.org/presentationml/2006/main">
+  <p:cSld>
+    <p:spTree>
+      <p:nvGrpSpPr>
+        <p:cNvPr id="1" name=""/>
+        <p:cNvGrpSpPr/>
+        <p:nvPr/>
+      </p:nvGrpSpPr>
+      <p:grpSpPr>
+        <a:xfrm>
+          <a:off x="0" y="0"/>
+          <a:ext cx="0" cy="0"/>
+          <a:chOff x="0" y="0"/>
+          <a:chExt cx="0" cy="0"/>
+        </a:xfrm>
+      </p:grpSpPr>
+      <p:sp>
+        <p:nvSpPr>
+          <p:cNvPr id="2" name="Slide Image Placeholder 1"/>
+          <p:cNvSpPr>
+            <a:spLocks noGrp="1" noRot="1" noChangeAspect="1"/>
+          </p:cNvSpPr>
+          <p:nvPr>
+            <p:ph type="sldImg"/>
+          </p:nvPr>
+        </p:nvSpPr>
+        <p:spPr/>
+      </p:sp>
+      <p:sp>
+        <p:nvSpPr>
+          <p:cNvPr id="3" name="Notes Placeholder 2"/>
+          <p:cNvSpPr>
+            <a:spLocks noGrp="1"/>
+          </p:cNvSpPr>
+          <p:nvPr>
+            <p:ph type="body" idx="1"/>
+          </p:nvPr>
+        </p:nvSpPr>
+        <p:spPr/>
+        <p:txBody>
+          <a:bodyPr/>
+          <a:lstStyle/>
+          <a:p>
+            <a:endParaRPr lang="en-US"/>
+          </a:p>
+        </p:txBody>
+      </p:sp>
+      <p:sp>
+        <p:nvSpPr>
+          <p:cNvPr id="4" name="Slide Number Placeholder 3"/>
+          <p:cNvSpPr>
+            <a:spLocks noGrp="1"/>
+          </p:cNvSpPr>
+          <p:nvPr>
+            <p:ph type="sldNum" sz="quarter" idx="10"/>
+          </p:nvPr>
+        </p:nvSpPr>
+        <p:spPr/>
+        <p:txBody>
+          <a:bodyPr/>
+          <a:lstStyle/>
+          <a:p>
+            <a:fld id="{6C982C2A-1A64-8242-AA1D-5752448F0D47}" type="slidenum">
+              <a:rPr lang="en-US" smtClean="0"/>
+              <a:t>3</a:t>
             </a:fld>
             <a:endParaRPr lang="en-US"/>
           </a:p>
@@ -3528,35 +3613,6 @@
           </a:prstGeom>
         </p:spPr>
       </p:pic>
-      <p:pic>
-        <p:nvPicPr>
-          <p:cNvPr id="5" name="Picture 4"/>
-          <p:cNvPicPr>
-            <a:picLocks noChangeAspect="1"/>
-          </p:cNvPicPr>
-          <p:nvPr/>
-        </p:nvPicPr>
-        <p:blipFill rotWithShape="1">
-          <a:blip r:embed="rId4">
-            <a:extLst>
-              <a:ext uri="{28A0092B-C50C-407E-A947-70E740481C1C}">
-                <a14:useLocalDpi xmlns:a14="http://schemas.microsoft.com/office/drawing/2010/main" val="0"/>
-              </a:ext>
-            </a:extLst>
-          </a:blip>
-          <a:srcRect l="10038" t="34572" r="9108" b="34573"/>
-          <a:stretch/>
-        </p:blipFill>
-        <p:spPr>
-          <a:xfrm>
-            <a:off x="5338119" y="667880"/>
-            <a:ext cx="5757852" cy="1647937"/>
-          </a:xfrm>
-          <a:prstGeom prst="rect">
-            <a:avLst/>
-          </a:prstGeom>
-        </p:spPr>
-      </p:pic>
       <p:sp>
         <p:nvSpPr>
           <p:cNvPr id="6" name="TextBox 5"/>
@@ -3565,7 +3621,7 @@
         </p:nvSpPr>
         <p:spPr>
           <a:xfrm>
-            <a:off x="7619230" y="2008040"/>
+            <a:off x="6200146" y="2303769"/>
             <a:ext cx="5062149" cy="307777"/>
           </a:xfrm>
           <a:prstGeom prst="rect">
@@ -3579,64 +3635,202 @@
           </a:bodyPr>
           <a:lstStyle/>
           <a:p>
-            <a:r>
-              <a:rPr lang="en-US" sz="1400" i="1" dirty="0">
+            <a:endParaRPr lang="en-US" sz="1400" b="1" dirty="0">
+              <a:latin typeface="Abadi MT Condensed Light" charset="0"/>
+              <a:ea typeface="Abadi MT Condensed Light" charset="0"/>
+              <a:cs typeface="Abadi MT Condensed Light" charset="0"/>
+            </a:endParaRPr>
+          </a:p>
+        </p:txBody>
+      </p:sp>
+      <p:sp>
+        <p:nvSpPr>
+          <p:cNvPr id="13" name="TextBox 12"/>
+          <p:cNvSpPr txBox="1"/>
+          <p:nvPr/>
+        </p:nvSpPr>
+        <p:spPr>
+          <a:xfrm>
+            <a:off x="5338119" y="2709519"/>
+            <a:ext cx="6306193" cy="2123658"/>
+          </a:xfrm>
+          <a:prstGeom prst="rect">
+            <a:avLst/>
+          </a:prstGeom>
+          <a:noFill/>
+        </p:spPr>
+        <p:txBody>
+          <a:bodyPr wrap="square" rtlCol="0">
+            <a:spAutoFit/>
+          </a:bodyPr>
+          <a:lstStyle/>
+          <a:p>
+            <a:r>
+              <a:rPr lang="en-US" sz="2200" b="1" dirty="0" smtClean="0">
                 <a:latin typeface="Abadi MT Condensed Light" charset="0"/>
                 <a:ea typeface="Abadi MT Condensed Light" charset="0"/>
                 <a:cs typeface="Abadi MT Condensed Light" charset="0"/>
               </a:rPr>
-              <a:t>E</a:t>
-            </a:r>
-            <a:r>
-              <a:rPr lang="en-US" sz="1400" i="1" dirty="0" smtClean="0">
+              <a:t>Member </a:t>
+            </a:r>
+            <a:r>
+              <a:rPr lang="en-US" sz="2200" b="1" dirty="0">
                 <a:latin typeface="Abadi MT Condensed Light" charset="0"/>
                 <a:ea typeface="Abadi MT Condensed Light" charset="0"/>
                 <a:cs typeface="Abadi MT Condensed Light" charset="0"/>
               </a:rPr>
-              <a:t>nsuring </a:t>
-            </a:r>
-            <a:r>
-              <a:rPr lang="en-US" sz="1400" i="1" dirty="0">
+              <a:t>names:</a:t>
+            </a:r>
+            <a:r>
+              <a:rPr lang="en-US" sz="2200" dirty="0">
                 <a:latin typeface="Abadi MT Condensed Light" charset="0"/>
                 <a:ea typeface="Abadi MT Condensed Light" charset="0"/>
                 <a:cs typeface="Abadi MT Condensed Light" charset="0"/>
               </a:rPr>
-              <a:t>that </a:t>
-            </a:r>
-            <a:r>
-              <a:rPr lang="en-US" sz="1400" i="1" dirty="0" smtClean="0">
+              <a:t> </a:t>
+            </a:r>
+            <a:r>
+              <a:rPr lang="en-US" sz="2200" dirty="0" smtClean="0">
                 <a:latin typeface="Abadi MT Condensed Light" charset="0"/>
                 <a:ea typeface="Abadi MT Condensed Light" charset="0"/>
                 <a:cs typeface="Abadi MT Condensed Light" charset="0"/>
               </a:rPr>
-              <a:t>locally sourced </a:t>
-            </a:r>
-            <a:r>
-              <a:rPr lang="en-US" sz="1400" i="1" dirty="0">
+              <a:t>Eric Frankel</a:t>
+            </a:r>
+            <a:r>
+              <a:rPr lang="en-US" sz="2200" dirty="0" smtClean="0">
                 <a:latin typeface="Abadi MT Condensed Light" charset="0"/>
                 <a:ea typeface="Abadi MT Condensed Light" charset="0"/>
                 <a:cs typeface="Abadi MT Condensed Light" charset="0"/>
               </a:rPr>
-              <a:t>food is truly local</a:t>
-            </a:r>
-            <a:endParaRPr lang="en-US" sz="1400" dirty="0">
+              <a:t>, Tommy Gao, Tyler Zhu, Yi </a:t>
+            </a:r>
+            <a:r>
+              <a:rPr lang="en-US" sz="2200" dirty="0" err="1" smtClean="0">
+                <a:latin typeface="Abadi MT Condensed Light" charset="0"/>
+                <a:ea typeface="Abadi MT Condensed Light" charset="0"/>
+                <a:cs typeface="Abadi MT Condensed Light" charset="0"/>
+              </a:rPr>
+              <a:t>Zu</a:t>
+            </a:r>
+            <a:endParaRPr lang="en-US" sz="2200" dirty="0">
               <a:latin typeface="Abadi MT Condensed Light" charset="0"/>
               <a:ea typeface="Abadi MT Condensed Light" charset="0"/>
               <a:cs typeface="Abadi MT Condensed Light" charset="0"/>
             </a:endParaRPr>
           </a:p>
+          <a:p>
+            <a:endParaRPr lang="en-US" sz="2200" b="1" smtClean="0">
+              <a:latin typeface="Abadi MT Condensed Light" charset="0"/>
+              <a:ea typeface="Abadi MT Condensed Light" charset="0"/>
+              <a:cs typeface="Abadi MT Condensed Light" charset="0"/>
+            </a:endParaRPr>
+          </a:p>
+          <a:p>
+            <a:r>
+              <a:rPr lang="en-US" sz="2200" b="1" smtClean="0">
+                <a:latin typeface="Abadi MT Condensed Light" charset="0"/>
+                <a:ea typeface="Abadi MT Condensed Light" charset="0"/>
+                <a:cs typeface="Abadi MT Condensed Light" charset="0"/>
+              </a:rPr>
+              <a:t>Challenges</a:t>
+            </a:r>
+            <a:r>
+              <a:rPr lang="en-US" sz="2200" b="1" dirty="0" smtClean="0">
+                <a:latin typeface="Abadi MT Condensed Light" charset="0"/>
+                <a:ea typeface="Abadi MT Condensed Light" charset="0"/>
+                <a:cs typeface="Abadi MT Condensed Light" charset="0"/>
+              </a:rPr>
+              <a:t>: </a:t>
+            </a:r>
+            <a:r>
+              <a:rPr lang="en-US" sz="2200" dirty="0" err="1" smtClean="0">
+                <a:latin typeface="Abadi MT Condensed Light" charset="0"/>
+                <a:ea typeface="Abadi MT Condensed Light" charset="0"/>
+                <a:cs typeface="Abadi MT Condensed Light" charset="0"/>
+              </a:rPr>
+              <a:t>AngelHack</a:t>
+            </a:r>
+            <a:r>
+              <a:rPr lang="en-US" sz="2200" dirty="0" smtClean="0">
+                <a:latin typeface="Abadi MT Condensed Light" charset="0"/>
+                <a:ea typeface="Abadi MT Condensed Light" charset="0"/>
+                <a:cs typeface="Abadi MT Condensed Light" charset="0"/>
+              </a:rPr>
+              <a:t>, Code for Cause, </a:t>
+            </a:r>
+            <a:r>
+              <a:rPr lang="en-US" sz="2200" dirty="0" err="1" smtClean="0">
+                <a:latin typeface="Abadi MT Condensed Light" charset="0"/>
+                <a:ea typeface="Abadi MT Condensed Light" charset="0"/>
+                <a:cs typeface="Abadi MT Condensed Light" charset="0"/>
+              </a:rPr>
+              <a:t>Consensys</a:t>
+            </a:r>
+            <a:r>
+              <a:rPr lang="en-US" sz="2200" dirty="0" smtClean="0">
+                <a:latin typeface="Abadi MT Condensed Light" charset="0"/>
+                <a:ea typeface="Abadi MT Condensed Light" charset="0"/>
+                <a:cs typeface="Abadi MT Condensed Light" charset="0"/>
+              </a:rPr>
+              <a:t>, </a:t>
+            </a:r>
+            <a:r>
+              <a:rPr lang="en-US" sz="2200" dirty="0" err="1" smtClean="0">
+                <a:latin typeface="Abadi MT Condensed Light" charset="0"/>
+                <a:ea typeface="Abadi MT Condensed Light" charset="0"/>
+                <a:cs typeface="Abadi MT Condensed Light" charset="0"/>
+              </a:rPr>
+              <a:t>Trulioo</a:t>
+            </a:r>
+            <a:endParaRPr lang="en-US" sz="2200" dirty="0" smtClean="0">
+              <a:latin typeface="Abadi MT Condensed Light" charset="0"/>
+              <a:ea typeface="Abadi MT Condensed Light" charset="0"/>
+              <a:cs typeface="Abadi MT Condensed Light" charset="0"/>
+            </a:endParaRPr>
+          </a:p>
+          <a:p>
+            <a:endParaRPr lang="en-US" sz="2200" dirty="0">
+              <a:latin typeface="Abadi MT Condensed Light" charset="0"/>
+              <a:ea typeface="Abadi MT Condensed Light" charset="0"/>
+              <a:cs typeface="Abadi MT Condensed Light" charset="0"/>
+            </a:endParaRPr>
+          </a:p>
+          <a:p>
+            <a:r>
+              <a:rPr lang="en-US" sz="2200" b="1" i="1" dirty="0" smtClean="0">
+                <a:latin typeface="Abadi MT Condensed Light" charset="0"/>
+                <a:ea typeface="Abadi MT Condensed Light" charset="0"/>
+                <a:cs typeface="Abadi MT Condensed Light" charset="0"/>
+              </a:rPr>
+              <a:t>Problem: </a:t>
+            </a:r>
+            <a:r>
+              <a:rPr lang="en-US" sz="2200" i="1" dirty="0" smtClean="0">
+                <a:latin typeface="Abadi MT Condensed Light" charset="0"/>
+                <a:ea typeface="Abadi MT Condensed Light" charset="0"/>
+                <a:cs typeface="Abadi MT Condensed Light" charset="0"/>
+              </a:rPr>
+              <a:t>Ensuring the quality and local legitimacy of food supplied to restaurant customers across New York City.</a:t>
+            </a:r>
+            <a:endParaRPr lang="en-US" sz="2200" i="1" dirty="0">
+              <a:latin typeface="Abadi MT Condensed Light" charset="0"/>
+              <a:ea typeface="Abadi MT Condensed Light" charset="0"/>
+              <a:cs typeface="Abadi MT Condensed Light" charset="0"/>
+            </a:endParaRPr>
+          </a:p>
         </p:txBody>
       </p:sp>
       <p:pic>
         <p:nvPicPr>
-          <p:cNvPr id="12" name="Picture 11"/>
+          <p:cNvPr id="2" name="Picture 1"/>
           <p:cNvPicPr>
             <a:picLocks noChangeAspect="1"/>
           </p:cNvPicPr>
           <p:nvPr/>
         </p:nvPicPr>
         <p:blipFill>
-          <a:blip r:embed="rId5">
+          <a:blip r:embed="rId4">
             <a:extLst>
               <a:ext uri="{28A0092B-C50C-407E-A947-70E740481C1C}">
                 <a14:useLocalDpi xmlns:a14="http://schemas.microsoft.com/office/drawing/2010/main" val="0"/>
@@ -3649,147 +3843,38 @@
         </p:blipFill>
         <p:spPr>
           <a:xfrm>
-            <a:off x="10265385" y="349458"/>
-            <a:ext cx="1565194" cy="561979"/>
+            <a:off x="6338565" y="351888"/>
+            <a:ext cx="4305300" cy="2108200"/>
           </a:xfrm>
           <a:prstGeom prst="rect">
             <a:avLst/>
           </a:prstGeom>
         </p:spPr>
       </p:pic>
-      <p:sp>
-        <p:nvSpPr>
-          <p:cNvPr id="13" name="TextBox 12"/>
-          <p:cNvSpPr txBox="1"/>
+      <p:pic>
+        <p:nvPicPr>
+          <p:cNvPr id="9" name="Picture 8"/>
+          <p:cNvPicPr>
+            <a:picLocks noChangeAspect="1"/>
+          </p:cNvPicPr>
           <p:nvPr/>
-        </p:nvSpPr>
+        </p:nvPicPr>
+        <p:blipFill>
+          <a:blip r:embed="rId5"/>
+          <a:stretch>
+            <a:fillRect/>
+          </a:stretch>
+        </p:blipFill>
         <p:spPr>
           <a:xfrm>
-            <a:off x="5338119" y="2709519"/>
-            <a:ext cx="6306193" cy="2462213"/>
+            <a:off x="9139237" y="6290186"/>
+            <a:ext cx="3052763" cy="567814"/>
           </a:xfrm>
           <a:prstGeom prst="rect">
             <a:avLst/>
           </a:prstGeom>
-          <a:noFill/>
         </p:spPr>
-        <p:txBody>
-          <a:bodyPr wrap="square" rtlCol="0">
-            <a:spAutoFit/>
-          </a:bodyPr>
-          <a:lstStyle/>
-          <a:p>
-            <a:r>
-              <a:rPr lang="en-US" sz="2200" b="1" dirty="0" smtClean="0">
-                <a:latin typeface="Abadi MT Condensed Light" charset="0"/>
-                <a:ea typeface="Abadi MT Condensed Light" charset="0"/>
-                <a:cs typeface="Abadi MT Condensed Light" charset="0"/>
-              </a:rPr>
-              <a:t>Member </a:t>
-            </a:r>
-            <a:r>
-              <a:rPr lang="en-US" sz="2200" b="1" dirty="0">
-                <a:latin typeface="Abadi MT Condensed Light" charset="0"/>
-                <a:ea typeface="Abadi MT Condensed Light" charset="0"/>
-                <a:cs typeface="Abadi MT Condensed Light" charset="0"/>
-              </a:rPr>
-              <a:t>names:</a:t>
-            </a:r>
-            <a:r>
-              <a:rPr lang="en-US" sz="2200" dirty="0">
-                <a:latin typeface="Abadi MT Condensed Light" charset="0"/>
-                <a:ea typeface="Abadi MT Condensed Light" charset="0"/>
-                <a:cs typeface="Abadi MT Condensed Light" charset="0"/>
-              </a:rPr>
-              <a:t> Carlos </a:t>
-            </a:r>
-            <a:r>
-              <a:rPr lang="en-US" sz="2200" dirty="0" err="1">
-                <a:latin typeface="Abadi MT Condensed Light" charset="0"/>
-                <a:ea typeface="Abadi MT Condensed Light" charset="0"/>
-                <a:cs typeface="Abadi MT Condensed Light" charset="0"/>
-              </a:rPr>
-              <a:t>Lovera</a:t>
-            </a:r>
-            <a:r>
-              <a:rPr lang="en-US" sz="2200" dirty="0">
-                <a:latin typeface="Abadi MT Condensed Light" charset="0"/>
-                <a:ea typeface="Abadi MT Condensed Light" charset="0"/>
-                <a:cs typeface="Abadi MT Condensed Light" charset="0"/>
-              </a:rPr>
-              <a:t>, Cristina Gravel, Nick Murray, Raymond Chavez, Yi </a:t>
-            </a:r>
-            <a:r>
-              <a:rPr lang="en-US" sz="2200" dirty="0" err="1" smtClean="0">
-                <a:latin typeface="Abadi MT Condensed Light" charset="0"/>
-                <a:ea typeface="Abadi MT Condensed Light" charset="0"/>
-                <a:cs typeface="Abadi MT Condensed Light" charset="0"/>
-              </a:rPr>
-              <a:t>Zu</a:t>
-            </a:r>
-            <a:endParaRPr lang="en-US" sz="2200" dirty="0" smtClean="0">
-              <a:latin typeface="Abadi MT Condensed Light" charset="0"/>
-              <a:ea typeface="Abadi MT Condensed Light" charset="0"/>
-              <a:cs typeface="Abadi MT Condensed Light" charset="0"/>
-            </a:endParaRPr>
-          </a:p>
-          <a:p>
-            <a:endParaRPr lang="en-US" sz="2200" dirty="0">
-              <a:latin typeface="Abadi MT Condensed Light" charset="0"/>
-              <a:ea typeface="Abadi MT Condensed Light" charset="0"/>
-              <a:cs typeface="Abadi MT Condensed Light" charset="0"/>
-            </a:endParaRPr>
-          </a:p>
-          <a:p>
-            <a:r>
-              <a:rPr lang="en-US" sz="2200" b="1" dirty="0" smtClean="0">
-                <a:latin typeface="Abadi MT Condensed Light" charset="0"/>
-                <a:ea typeface="Abadi MT Condensed Light" charset="0"/>
-                <a:cs typeface="Abadi MT Condensed Light" charset="0"/>
-              </a:rPr>
-              <a:t>Challenges: </a:t>
-            </a:r>
-            <a:r>
-              <a:rPr lang="en-US" sz="2200" dirty="0" smtClean="0">
-                <a:latin typeface="Abadi MT Condensed Light" charset="0"/>
-                <a:ea typeface="Abadi MT Condensed Light" charset="0"/>
-                <a:cs typeface="Abadi MT Condensed Light" charset="0"/>
-              </a:rPr>
-              <a:t>CoinDesk, AlphaPoint, Microsoft</a:t>
-            </a:r>
-          </a:p>
-          <a:p>
-            <a:endParaRPr lang="en-US" sz="2200" dirty="0">
-              <a:latin typeface="Abadi MT Condensed Light" charset="0"/>
-              <a:ea typeface="Abadi MT Condensed Light" charset="0"/>
-              <a:cs typeface="Abadi MT Condensed Light" charset="0"/>
-            </a:endParaRPr>
-          </a:p>
-          <a:p>
-            <a:r>
-              <a:rPr lang="en-US" sz="2200" b="1" i="1" dirty="0" smtClean="0">
-                <a:latin typeface="Abadi MT Condensed Light" charset="0"/>
-                <a:ea typeface="Abadi MT Condensed Light" charset="0"/>
-                <a:cs typeface="Abadi MT Condensed Light" charset="0"/>
-              </a:rPr>
-              <a:t>Problem: </a:t>
-            </a:r>
-            <a:r>
-              <a:rPr lang="en-US" sz="2200" i="1" dirty="0" smtClean="0">
-                <a:latin typeface="Abadi MT Condensed Light" charset="0"/>
-                <a:ea typeface="Abadi MT Condensed Light" charset="0"/>
-                <a:cs typeface="Abadi MT Condensed Light" charset="0"/>
-              </a:rPr>
-              <a:t>Ensuring the quality and local legitimacy of food supplied to restaurant customers across New York City.</a:t>
-            </a:r>
-            <a:endParaRPr lang="en-US" sz="2200" i="1" dirty="0">
-              <a:latin typeface="Abadi MT Condensed Light" charset="0"/>
-              <a:ea typeface="Abadi MT Condensed Light" charset="0"/>
-              <a:cs typeface="Abadi MT Condensed Light" charset="0"/>
-            </a:endParaRPr>
-          </a:p>
-        </p:txBody>
-      </p:sp>
+      </p:pic>
     </p:spTree>
     <p:extLst>
       <p:ext uri="{BB962C8B-B14F-4D97-AF65-F5344CB8AC3E}">
@@ -3811,6 +3896,339 @@
 </file>
 
 <file path=ppt/slides/slide2.xml><?xml version="1.0" encoding="utf-8"?>
+<p:sld xmlns:a="http://schemas.openxmlformats.org/drawingml/2006/main" xmlns:r="http://schemas.openxmlformats.org/officeDocument/2006/relationships" xmlns:p="http://schemas.openxmlformats.org/presentationml/2006/main">
+  <p:cSld>
+    <p:bg>
+      <p:bgPr>
+        <a:solidFill>
+          <a:schemeClr val="bg1"/>
+        </a:solidFill>
+        <a:effectLst/>
+      </p:bgPr>
+    </p:bg>
+    <p:spTree>
+      <p:nvGrpSpPr>
+        <p:cNvPr id="1" name=""/>
+        <p:cNvGrpSpPr/>
+        <p:nvPr/>
+      </p:nvGrpSpPr>
+      <p:grpSpPr>
+        <a:xfrm>
+          <a:off x="0" y="0"/>
+          <a:ext cx="0" cy="0"/>
+          <a:chOff x="0" y="0"/>
+          <a:chExt cx="0" cy="0"/>
+        </a:xfrm>
+      </p:grpSpPr>
+      <p:pic>
+        <p:nvPicPr>
+          <p:cNvPr id="4" name="Picture 3"/>
+          <p:cNvPicPr>
+            <a:picLocks noChangeAspect="1"/>
+          </p:cNvPicPr>
+          <p:nvPr/>
+        </p:nvPicPr>
+        <p:blipFill rotWithShape="1">
+          <a:blip r:embed="rId3">
+            <a:extLst>
+              <a:ext uri="{28A0092B-C50C-407E-A947-70E740481C1C}">
+                <a14:useLocalDpi xmlns:a14="http://schemas.microsoft.com/office/drawing/2010/main" val="0"/>
+              </a:ext>
+            </a:extLst>
+          </a:blip>
+          <a:srcRect l="4685" r="45202"/>
+          <a:stretch/>
+        </p:blipFill>
+        <p:spPr>
+          <a:xfrm>
+            <a:off x="0" y="0"/>
+            <a:ext cx="5155118" cy="6858000"/>
+          </a:xfrm>
+          <a:prstGeom prst="parallelogram">
+            <a:avLst>
+              <a:gd name="adj" fmla="val 0"/>
+            </a:avLst>
+          </a:prstGeom>
+        </p:spPr>
+      </p:pic>
+      <p:sp>
+        <p:nvSpPr>
+          <p:cNvPr id="6" name="TextBox 5"/>
+          <p:cNvSpPr txBox="1"/>
+          <p:nvPr/>
+        </p:nvSpPr>
+        <p:spPr>
+          <a:xfrm>
+            <a:off x="6200146" y="2303769"/>
+            <a:ext cx="5062149" cy="307777"/>
+          </a:xfrm>
+          <a:prstGeom prst="rect">
+            <a:avLst/>
+          </a:prstGeom>
+          <a:noFill/>
+        </p:spPr>
+        <p:txBody>
+          <a:bodyPr wrap="square" rtlCol="0">
+            <a:spAutoFit/>
+          </a:bodyPr>
+          <a:lstStyle/>
+          <a:p>
+            <a:r>
+              <a:rPr lang="en-US" sz="1400" i="1" dirty="0">
+                <a:latin typeface="Abadi MT Condensed Light" charset="0"/>
+                <a:ea typeface="Abadi MT Condensed Light" charset="0"/>
+                <a:cs typeface="Abadi MT Condensed Light" charset="0"/>
+              </a:rPr>
+              <a:t>E</a:t>
+            </a:r>
+            <a:r>
+              <a:rPr lang="en-US" sz="1400" i="1" dirty="0" smtClean="0">
+                <a:latin typeface="Abadi MT Condensed Light" charset="0"/>
+                <a:ea typeface="Abadi MT Condensed Light" charset="0"/>
+                <a:cs typeface="Abadi MT Condensed Light" charset="0"/>
+              </a:rPr>
+              <a:t>nsuring </a:t>
+            </a:r>
+            <a:r>
+              <a:rPr lang="en-US" sz="1400" i="1" dirty="0">
+                <a:latin typeface="Abadi MT Condensed Light" charset="0"/>
+                <a:ea typeface="Abadi MT Condensed Light" charset="0"/>
+                <a:cs typeface="Abadi MT Condensed Light" charset="0"/>
+              </a:rPr>
+              <a:t>that </a:t>
+            </a:r>
+            <a:r>
+              <a:rPr lang="en-US" sz="1400" i="1" dirty="0" smtClean="0">
+                <a:latin typeface="Abadi MT Condensed Light" charset="0"/>
+                <a:ea typeface="Abadi MT Condensed Light" charset="0"/>
+                <a:cs typeface="Abadi MT Condensed Light" charset="0"/>
+              </a:rPr>
+              <a:t>locally sourced </a:t>
+            </a:r>
+            <a:r>
+              <a:rPr lang="en-US" sz="1400" i="1" dirty="0">
+                <a:latin typeface="Abadi MT Condensed Light" charset="0"/>
+                <a:ea typeface="Abadi MT Condensed Light" charset="0"/>
+                <a:cs typeface="Abadi MT Condensed Light" charset="0"/>
+              </a:rPr>
+              <a:t>food is truly local</a:t>
+            </a:r>
+            <a:endParaRPr lang="en-US" sz="1400" dirty="0">
+              <a:latin typeface="Abadi MT Condensed Light" charset="0"/>
+              <a:ea typeface="Abadi MT Condensed Light" charset="0"/>
+              <a:cs typeface="Abadi MT Condensed Light" charset="0"/>
+            </a:endParaRPr>
+          </a:p>
+        </p:txBody>
+      </p:sp>
+      <p:sp>
+        <p:nvSpPr>
+          <p:cNvPr id="13" name="TextBox 12"/>
+          <p:cNvSpPr txBox="1"/>
+          <p:nvPr/>
+        </p:nvSpPr>
+        <p:spPr>
+          <a:xfrm>
+            <a:off x="5338119" y="2709519"/>
+            <a:ext cx="6306193" cy="2462213"/>
+          </a:xfrm>
+          <a:prstGeom prst="rect">
+            <a:avLst/>
+          </a:prstGeom>
+          <a:noFill/>
+        </p:spPr>
+        <p:txBody>
+          <a:bodyPr wrap="square" rtlCol="0">
+            <a:spAutoFit/>
+          </a:bodyPr>
+          <a:lstStyle/>
+          <a:p>
+            <a:r>
+              <a:rPr lang="en-US" sz="2200" b="1" dirty="0" smtClean="0">
+                <a:latin typeface="Abadi MT Condensed Light" charset="0"/>
+                <a:ea typeface="Abadi MT Condensed Light" charset="0"/>
+                <a:cs typeface="Abadi MT Condensed Light" charset="0"/>
+              </a:rPr>
+              <a:t>Member </a:t>
+            </a:r>
+            <a:r>
+              <a:rPr lang="en-US" sz="2200" b="1" dirty="0">
+                <a:latin typeface="Abadi MT Condensed Light" charset="0"/>
+                <a:ea typeface="Abadi MT Condensed Light" charset="0"/>
+                <a:cs typeface="Abadi MT Condensed Light" charset="0"/>
+              </a:rPr>
+              <a:t>names:</a:t>
+            </a:r>
+            <a:r>
+              <a:rPr lang="en-US" sz="2200" dirty="0">
+                <a:latin typeface="Abadi MT Condensed Light" charset="0"/>
+                <a:ea typeface="Abadi MT Condensed Light" charset="0"/>
+                <a:cs typeface="Abadi MT Condensed Light" charset="0"/>
+              </a:rPr>
+              <a:t> Carlos </a:t>
+            </a:r>
+            <a:r>
+              <a:rPr lang="en-US" sz="2200" dirty="0" err="1">
+                <a:latin typeface="Abadi MT Condensed Light" charset="0"/>
+                <a:ea typeface="Abadi MT Condensed Light" charset="0"/>
+                <a:cs typeface="Abadi MT Condensed Light" charset="0"/>
+              </a:rPr>
+              <a:t>Lovera</a:t>
+            </a:r>
+            <a:r>
+              <a:rPr lang="en-US" sz="2200" dirty="0">
+                <a:latin typeface="Abadi MT Condensed Light" charset="0"/>
+                <a:ea typeface="Abadi MT Condensed Light" charset="0"/>
+                <a:cs typeface="Abadi MT Condensed Light" charset="0"/>
+              </a:rPr>
+              <a:t>, Cristina Gravel, Nick Murray, Raymond Chavez, Yi </a:t>
+            </a:r>
+            <a:r>
+              <a:rPr lang="en-US" sz="2200" dirty="0" err="1" smtClean="0">
+                <a:latin typeface="Abadi MT Condensed Light" charset="0"/>
+                <a:ea typeface="Abadi MT Condensed Light" charset="0"/>
+                <a:cs typeface="Abadi MT Condensed Light" charset="0"/>
+              </a:rPr>
+              <a:t>Zu</a:t>
+            </a:r>
+            <a:endParaRPr lang="en-US" sz="2200" dirty="0" smtClean="0">
+              <a:latin typeface="Abadi MT Condensed Light" charset="0"/>
+              <a:ea typeface="Abadi MT Condensed Light" charset="0"/>
+              <a:cs typeface="Abadi MT Condensed Light" charset="0"/>
+            </a:endParaRPr>
+          </a:p>
+          <a:p>
+            <a:endParaRPr lang="en-US" sz="2200" dirty="0">
+              <a:latin typeface="Abadi MT Condensed Light" charset="0"/>
+              <a:ea typeface="Abadi MT Condensed Light" charset="0"/>
+              <a:cs typeface="Abadi MT Condensed Light" charset="0"/>
+            </a:endParaRPr>
+          </a:p>
+          <a:p>
+            <a:r>
+              <a:rPr lang="en-US" sz="2200" b="1" dirty="0" smtClean="0">
+                <a:latin typeface="Abadi MT Condensed Light" charset="0"/>
+                <a:ea typeface="Abadi MT Condensed Light" charset="0"/>
+                <a:cs typeface="Abadi MT Condensed Light" charset="0"/>
+              </a:rPr>
+              <a:t>Challenges: </a:t>
+            </a:r>
+            <a:r>
+              <a:rPr lang="en-US" sz="2200" dirty="0" smtClean="0">
+                <a:latin typeface="Abadi MT Condensed Light" charset="0"/>
+                <a:ea typeface="Abadi MT Condensed Light" charset="0"/>
+                <a:cs typeface="Abadi MT Condensed Light" charset="0"/>
+              </a:rPr>
+              <a:t>CoinDesk, AlphaPoint, Microsoft</a:t>
+            </a:r>
+          </a:p>
+          <a:p>
+            <a:endParaRPr lang="en-US" sz="2200" dirty="0">
+              <a:latin typeface="Abadi MT Condensed Light" charset="0"/>
+              <a:ea typeface="Abadi MT Condensed Light" charset="0"/>
+              <a:cs typeface="Abadi MT Condensed Light" charset="0"/>
+            </a:endParaRPr>
+          </a:p>
+          <a:p>
+            <a:r>
+              <a:rPr lang="en-US" sz="2200" b="1" i="1" dirty="0" smtClean="0">
+                <a:latin typeface="Abadi MT Condensed Light" charset="0"/>
+                <a:ea typeface="Abadi MT Condensed Light" charset="0"/>
+                <a:cs typeface="Abadi MT Condensed Light" charset="0"/>
+              </a:rPr>
+              <a:t>Problem: </a:t>
+            </a:r>
+            <a:r>
+              <a:rPr lang="en-US" sz="2200" i="1" dirty="0" smtClean="0">
+                <a:latin typeface="Abadi MT Condensed Light" charset="0"/>
+                <a:ea typeface="Abadi MT Condensed Light" charset="0"/>
+                <a:cs typeface="Abadi MT Condensed Light" charset="0"/>
+              </a:rPr>
+              <a:t>Ensuring the quality and local legitimacy of food supplied to restaurant customers across New York City.</a:t>
+            </a:r>
+            <a:endParaRPr lang="en-US" sz="2200" i="1" dirty="0">
+              <a:latin typeface="Abadi MT Condensed Light" charset="0"/>
+              <a:ea typeface="Abadi MT Condensed Light" charset="0"/>
+              <a:cs typeface="Abadi MT Condensed Light" charset="0"/>
+            </a:endParaRPr>
+          </a:p>
+        </p:txBody>
+      </p:sp>
+      <p:pic>
+        <p:nvPicPr>
+          <p:cNvPr id="2" name="Picture 1"/>
+          <p:cNvPicPr>
+            <a:picLocks noChangeAspect="1"/>
+          </p:cNvPicPr>
+          <p:nvPr/>
+        </p:nvPicPr>
+        <p:blipFill>
+          <a:blip r:embed="rId4">
+            <a:extLst>
+              <a:ext uri="{28A0092B-C50C-407E-A947-70E740481C1C}">
+                <a14:useLocalDpi xmlns:a14="http://schemas.microsoft.com/office/drawing/2010/main" val="0"/>
+              </a:ext>
+            </a:extLst>
+          </a:blip>
+          <a:stretch>
+            <a:fillRect/>
+          </a:stretch>
+        </p:blipFill>
+        <p:spPr>
+          <a:xfrm>
+            <a:off x="5619191" y="195569"/>
+            <a:ext cx="4305300" cy="2108200"/>
+          </a:xfrm>
+          <a:prstGeom prst="rect">
+            <a:avLst/>
+          </a:prstGeom>
+        </p:spPr>
+      </p:pic>
+      <p:pic>
+        <p:nvPicPr>
+          <p:cNvPr id="9" name="Picture 8"/>
+          <p:cNvPicPr>
+            <a:picLocks noChangeAspect="1"/>
+          </p:cNvPicPr>
+          <p:nvPr/>
+        </p:nvPicPr>
+        <p:blipFill>
+          <a:blip r:embed="rId5"/>
+          <a:stretch>
+            <a:fillRect/>
+          </a:stretch>
+        </p:blipFill>
+        <p:spPr>
+          <a:xfrm>
+            <a:off x="9139237" y="6290186"/>
+            <a:ext cx="3052763" cy="567814"/>
+          </a:xfrm>
+          <a:prstGeom prst="rect">
+            <a:avLst/>
+          </a:prstGeom>
+        </p:spPr>
+      </p:pic>
+    </p:spTree>
+    <p:extLst>
+      <p:ext uri="{BB962C8B-B14F-4D97-AF65-F5344CB8AC3E}">
+        <p14:creationId xmlns:p14="http://schemas.microsoft.com/office/powerpoint/2010/main" val="1807006844"/>
+      </p:ext>
+    </p:extLst>
+  </p:cSld>
+  <p:clrMapOvr>
+    <a:masterClrMapping/>
+  </p:clrMapOvr>
+  <p:timing>
+    <p:tnLst>
+      <p:par>
+        <p:cTn id="1" dur="indefinite" restart="never" nodeType="tmRoot"/>
+      </p:par>
+    </p:tnLst>
+  </p:timing>
+</p:sld>
+</file>
+
+<file path=ppt/slides/slide3.xml><?xml version="1.0" encoding="utf-8"?>
 <p:sld xmlns:a="http://schemas.openxmlformats.org/drawingml/2006/main" xmlns:r="http://schemas.openxmlformats.org/officeDocument/2006/relationships" xmlns:p="http://schemas.openxmlformats.org/presentationml/2006/main">
   <p:cSld>
     <p:spTree>
